--- a/meterials/slides/ch02-server- and-domain-name.pptx
+++ b/meterials/slides/ch02-server- and-domain-name.pptx
@@ -274,7 +274,7 @@
           <a:p>
             <a:fld id="{2B71C804-97F5-4B36-A7AC-EEEC7F44F6C2}" type="datetimeFigureOut">
               <a:rPr lang="zh-CN" altLang="en-US" smtClean="0"/>
-              <a:t>2017/9/7</a:t>
+              <a:t>2017/9/10</a:t>
             </a:fld>
             <a:endParaRPr lang="zh-CN" altLang="en-US"/>
           </a:p>
@@ -440,7 +440,7 @@
           <a:p>
             <a:fld id="{0568D9C6-D8DC-4CC3-8480-E0C4DBA1CC07}" type="datetimeFigureOut">
               <a:rPr lang="zh-CN" altLang="en-US" smtClean="0"/>
-              <a:t>2017/9/7</a:t>
+              <a:t>2017/9/10</a:t>
             </a:fld>
             <a:endParaRPr lang="zh-CN" altLang="en-US"/>
           </a:p>
@@ -1473,7 +1473,7 @@
           <a:p>
             <a:fld id="{DB9D664F-4C68-42D2-B189-678958EFAFDA}" type="datetime1">
               <a:rPr lang="zh-CN" altLang="en-US" smtClean="0"/>
-              <a:t>2017/9/7</a:t>
+              <a:t>2017/9/10</a:t>
             </a:fld>
             <a:endParaRPr lang="zh-CN" altLang="en-US"/>
           </a:p>
@@ -2455,7 +2455,7 @@
           <a:p>
             <a:fld id="{ED5513C8-E3A4-4D78-B249-887659A958FF}" type="datetime1">
               <a:rPr lang="en-US" altLang="zh-CN" smtClean="0"/>
-              <a:t>9/7/2017</a:t>
+              <a:t>9/10/2017</a:t>
             </a:fld>
             <a:endParaRPr lang="en-US"/>
           </a:p>
@@ -2633,7 +2633,7 @@
           <a:p>
             <a:fld id="{EBEDA52C-3EEE-4289-818C-901C0A7814FE}" type="datetime1">
               <a:rPr lang="en-US" altLang="zh-CN" smtClean="0"/>
-              <a:t>9/7/2017</a:t>
+              <a:t>9/10/2017</a:t>
             </a:fld>
             <a:endParaRPr lang="en-US"/>
           </a:p>
@@ -2887,7 +2887,7 @@
           <a:p>
             <a:fld id="{09EF5D7F-EA15-485C-85DD-8FDC010A62D4}" type="datetime1">
               <a:rPr lang="en-US" altLang="zh-CN" smtClean="0"/>
-              <a:t>9/7/2017</a:t>
+              <a:t>9/10/2017</a:t>
             </a:fld>
             <a:endParaRPr lang="en-US"/>
           </a:p>
@@ -3127,7 +3127,7 @@
           <a:p>
             <a:fld id="{9541C2B2-0BAB-4CD4-83EE-25F1A7138896}" type="datetime1">
               <a:rPr lang="en-US" altLang="zh-CN" smtClean="0"/>
-              <a:t>9/7/2017</a:t>
+              <a:t>9/10/2017</a:t>
             </a:fld>
             <a:endParaRPr lang="en-US"/>
           </a:p>
@@ -3502,7 +3502,7 @@
           <a:p>
             <a:fld id="{7DEA23E7-D0FC-41DC-8745-BE6FC447B182}" type="datetime1">
               <a:rPr lang="en-US" altLang="zh-CN" smtClean="0"/>
-              <a:t>9/7/2017</a:t>
+              <a:t>9/10/2017</a:t>
             </a:fld>
             <a:endParaRPr lang="en-US"/>
           </a:p>
@@ -4287,7 +4287,7 @@
           <a:p>
             <a:fld id="{5DEA8378-5F33-490B-8120-8DE6B7EE2781}" type="datetime1">
               <a:rPr lang="en-US" altLang="zh-CN" smtClean="0"/>
-              <a:t>9/7/2017</a:t>
+              <a:t>9/10/2017</a:t>
             </a:fld>
             <a:endParaRPr lang="en-US"/>
           </a:p>
@@ -4541,7 +4541,7 @@
           <a:p>
             <a:fld id="{38DD30CF-78A7-4C73-91B4-38D3E3317745}" type="datetime1">
               <a:rPr lang="en-US" altLang="zh-CN" smtClean="0"/>
-              <a:t>9/7/2017</a:t>
+              <a:t>9/10/2017</a:t>
             </a:fld>
             <a:endParaRPr lang="en-US"/>
           </a:p>
@@ -4644,7 +4644,7 @@
           <a:p>
             <a:fld id="{A1BE0A72-8501-4974-A7B7-5BD248ABBAFC}" type="datetime1">
               <a:rPr lang="zh-CN" altLang="en-US" smtClean="0"/>
-              <a:t>2017/9/7</a:t>
+              <a:t>2017/9/10</a:t>
             </a:fld>
             <a:endParaRPr lang="zh-CN" altLang="en-US"/>
           </a:p>
@@ -4905,7 +4905,7 @@
           <a:p>
             <a:fld id="{0B7E01DD-16D0-4DBA-9C1A-51468BA0B73A}" type="datetime1">
               <a:rPr lang="en-US" altLang="zh-CN" smtClean="0"/>
-              <a:t>9/7/2017</a:t>
+              <a:t>9/10/2017</a:t>
             </a:fld>
             <a:endParaRPr lang="en-US"/>
           </a:p>
@@ -5083,7 +5083,7 @@
           <a:p>
             <a:fld id="{B587E63F-0E62-4A50-901F-E071D77F7634}" type="datetime1">
               <a:rPr lang="en-US" altLang="zh-CN" smtClean="0"/>
-              <a:t>9/7/2017</a:t>
+              <a:t>9/10/2017</a:t>
             </a:fld>
             <a:endParaRPr lang="en-US"/>
           </a:p>
@@ -5271,7 +5271,7 @@
           <a:p>
             <a:fld id="{BD8521E8-9297-400B-AD8C-0A4D05699D33}" type="datetime1">
               <a:rPr lang="en-US" altLang="zh-CN" smtClean="0"/>
-              <a:t>9/7/2017</a:t>
+              <a:t>9/10/2017</a:t>
             </a:fld>
             <a:endParaRPr lang="en-US"/>
           </a:p>
@@ -5502,7 +5502,7 @@
           <a:p>
             <a:fld id="{ED5513C8-E3A4-4D78-B249-887659A958FF}" type="datetime1">
               <a:rPr lang="en-US" altLang="zh-CN" smtClean="0"/>
-              <a:t>9/7/2017</a:t>
+              <a:t>9/10/2017</a:t>
             </a:fld>
             <a:endParaRPr lang="en-US"/>
           </a:p>
@@ -5680,7 +5680,7 @@
           <a:p>
             <a:fld id="{EBEDA52C-3EEE-4289-818C-901C0A7814FE}" type="datetime1">
               <a:rPr lang="en-US" altLang="zh-CN" smtClean="0"/>
-              <a:t>9/7/2017</a:t>
+              <a:t>9/10/2017</a:t>
             </a:fld>
             <a:endParaRPr lang="en-US"/>
           </a:p>
@@ -5934,7 +5934,7 @@
           <a:p>
             <a:fld id="{09EF5D7F-EA15-485C-85DD-8FDC010A62D4}" type="datetime1">
               <a:rPr lang="en-US" altLang="zh-CN" smtClean="0"/>
-              <a:t>9/7/2017</a:t>
+              <a:t>9/10/2017</a:t>
             </a:fld>
             <a:endParaRPr lang="en-US"/>
           </a:p>
@@ -6174,7 +6174,7 @@
           <a:p>
             <a:fld id="{9541C2B2-0BAB-4CD4-83EE-25F1A7138896}" type="datetime1">
               <a:rPr lang="en-US" altLang="zh-CN" smtClean="0"/>
-              <a:t>9/7/2017</a:t>
+              <a:t>9/10/2017</a:t>
             </a:fld>
             <a:endParaRPr lang="en-US"/>
           </a:p>
@@ -6549,7 +6549,7 @@
           <a:p>
             <a:fld id="{7DEA23E7-D0FC-41DC-8745-BE6FC447B182}" type="datetime1">
               <a:rPr lang="en-US" altLang="zh-CN" smtClean="0"/>
-              <a:t>9/7/2017</a:t>
+              <a:t>9/10/2017</a:t>
             </a:fld>
             <a:endParaRPr lang="en-US"/>
           </a:p>
@@ -7334,7 +7334,7 @@
           <a:p>
             <a:fld id="{A1BE0A72-8501-4974-A7B7-5BD248ABBAFC}" type="datetime1">
               <a:rPr lang="zh-CN" altLang="en-US" smtClean="0"/>
-              <a:t>2017/9/7</a:t>
+              <a:t>2017/9/10</a:t>
             </a:fld>
             <a:endParaRPr lang="zh-CN" altLang="en-US"/>
           </a:p>
@@ -7387,7 +7387,7 @@
           <a:p>
             <a:fld id="{5DEA8378-5F33-490B-8120-8DE6B7EE2781}" type="datetime1">
               <a:rPr lang="en-US" altLang="zh-CN" smtClean="0"/>
-              <a:t>9/7/2017</a:t>
+              <a:t>9/10/2017</a:t>
             </a:fld>
             <a:endParaRPr lang="en-US"/>
           </a:p>
@@ -7641,7 +7641,7 @@
           <a:p>
             <a:fld id="{38DD30CF-78A7-4C73-91B4-38D3E3317745}" type="datetime1">
               <a:rPr lang="en-US" altLang="zh-CN" smtClean="0"/>
-              <a:t>9/7/2017</a:t>
+              <a:t>9/10/2017</a:t>
             </a:fld>
             <a:endParaRPr lang="en-US"/>
           </a:p>
@@ -7906,7 +7906,7 @@
           <a:p>
             <a:fld id="{0B7E01DD-16D0-4DBA-9C1A-51468BA0B73A}" type="datetime1">
               <a:rPr lang="en-US" altLang="zh-CN" smtClean="0"/>
-              <a:t>9/7/2017</a:t>
+              <a:t>9/10/2017</a:t>
             </a:fld>
             <a:endParaRPr lang="en-US"/>
           </a:p>
@@ -8084,7 +8084,7 @@
           <a:p>
             <a:fld id="{B587E63F-0E62-4A50-901F-E071D77F7634}" type="datetime1">
               <a:rPr lang="en-US" altLang="zh-CN" smtClean="0"/>
-              <a:t>9/7/2017</a:t>
+              <a:t>9/10/2017</a:t>
             </a:fld>
             <a:endParaRPr lang="en-US"/>
           </a:p>
@@ -8272,7 +8272,7 @@
           <a:p>
             <a:fld id="{BD8521E8-9297-400B-AD8C-0A4D05699D33}" type="datetime1">
               <a:rPr lang="en-US" altLang="zh-CN" smtClean="0"/>
-              <a:t>9/7/2017</a:t>
+              <a:t>9/10/2017</a:t>
             </a:fld>
             <a:endParaRPr lang="en-US"/>
           </a:p>
@@ -8375,7 +8375,7 @@
           <a:p>
             <a:fld id="{EF452D9C-F9EB-4417-9C3A-C876C2AF9415}" type="datetime1">
               <a:rPr lang="zh-CN" altLang="en-US" smtClean="0"/>
-              <a:t>2017/9/7</a:t>
+              <a:t>2017/9/10</a:t>
             </a:fld>
             <a:endParaRPr lang="zh-CN" altLang="en-US"/>
           </a:p>
@@ -8561,7 +8561,7 @@
           <a:p>
             <a:fld id="{2F2E9289-9B4C-49AE-BDDA-70D6EDC89D17}" type="datetime1">
               <a:rPr lang="zh-CN" altLang="en-US" smtClean="0"/>
-              <a:t>2017/9/7</a:t>
+              <a:t>2017/9/10</a:t>
             </a:fld>
             <a:endParaRPr lang="zh-CN" altLang="en-US"/>
           </a:p>
@@ -8731,7 +8731,7 @@
           <a:p>
             <a:fld id="{2F2E9289-9B4C-49AE-BDDA-70D6EDC89D17}" type="datetime1">
               <a:rPr lang="zh-CN" altLang="en-US" smtClean="0"/>
-              <a:t>2017/9/7</a:t>
+              <a:t>2017/9/10</a:t>
             </a:fld>
             <a:endParaRPr lang="zh-CN" altLang="en-US"/>
           </a:p>
@@ -8967,7 +8967,7 @@
           <a:p>
             <a:fld id="{8C5BA751-A251-47D6-8494-C134D9EBED5F}" type="datetime1">
               <a:rPr lang="zh-CN" altLang="en-US" smtClean="0"/>
-              <a:t>2017/9/7</a:t>
+              <a:t>2017/9/10</a:t>
             </a:fld>
             <a:endParaRPr lang="zh-CN" altLang="en-US"/>
           </a:p>
@@ -9323,7 +9323,7 @@
           <a:p>
             <a:fld id="{C46E2078-F302-4651-A2A2-2FC6C4E1A3F1}" type="datetime1">
               <a:rPr lang="zh-CN" altLang="en-US" smtClean="0"/>
-              <a:t>2017/9/7</a:t>
+              <a:t>2017/9/10</a:t>
             </a:fld>
             <a:endParaRPr lang="zh-CN" altLang="en-US"/>
           </a:p>
@@ -9445,7 +9445,7 @@
               <a:pPr>
                 <a:defRPr/>
               </a:pPr>
-              <a:t>2017/9/7</a:t>
+              <a:t>2017/9/10</a:t>
             </a:fld>
             <a:endParaRPr lang="zh-CN" altLang="en-US"/>
           </a:p>
@@ -9593,7 +9593,7 @@
           <a:p>
             <a:fld id="{A1BE0A72-8501-4974-A7B7-5BD248ABBAFC}" type="datetime1">
               <a:rPr lang="zh-CN" altLang="en-US" smtClean="0"/>
-              <a:t>2017/9/7</a:t>
+              <a:t>2017/9/10</a:t>
             </a:fld>
             <a:endParaRPr lang="zh-CN" altLang="en-US"/>
           </a:p>
@@ -10107,7 +10107,7 @@
           <a:p>
             <a:fld id="{A1BE0A72-8501-4974-A7B7-5BD248ABBAFC}" type="datetime1">
               <a:rPr lang="zh-CN" altLang="en-US" smtClean="0"/>
-              <a:t>2017/9/7</a:t>
+              <a:t>2017/9/10</a:t>
             </a:fld>
             <a:endParaRPr lang="zh-CN" altLang="en-US"/>
           </a:p>
@@ -10713,7 +10713,7 @@
           <a:p>
             <a:fld id="{7A78726F-0AD2-4A20-BC72-263D2D3F3A2F}" type="datetime1">
               <a:rPr lang="en-US" altLang="zh-CN" smtClean="0"/>
-              <a:t>9/7/2017</a:t>
+              <a:t>9/10/2017</a:t>
             </a:fld>
             <a:endParaRPr lang="en-US"/>
           </a:p>
@@ -11694,7 +11694,7 @@
           <a:p>
             <a:fld id="{A1BE0A72-8501-4974-A7B7-5BD248ABBAFC}" type="datetime1">
               <a:rPr lang="zh-CN" altLang="en-US" smtClean="0"/>
-              <a:t>2017/9/7</a:t>
+              <a:t>2017/9/10</a:t>
             </a:fld>
             <a:endParaRPr lang="zh-CN" altLang="en-US"/>
           </a:p>
@@ -12300,7 +12300,7 @@
           <a:p>
             <a:fld id="{7A78726F-0AD2-4A20-BC72-263D2D3F3A2F}" type="datetime1">
               <a:rPr lang="en-US" altLang="zh-CN" smtClean="0"/>
-              <a:t>9/7/2017</a:t>
+              <a:t>9/10/2017</a:t>
             </a:fld>
             <a:endParaRPr lang="en-US"/>
           </a:p>
@@ -13877,11 +13877,11 @@
           <a:lstStyle/>
           <a:p>
             <a:r>
-              <a:rPr lang="en-US" altLang="zh-CN" dirty="0"/>
+              <a:rPr lang="en-US" altLang="zh-CN" b="0" dirty="0"/>
               <a:t>IDC</a:t>
             </a:r>
             <a:r>
-              <a:rPr lang="zh-CN" altLang="en-US" dirty="0"/>
+              <a:rPr lang="zh-CN" altLang="en-US" b="0" dirty="0"/>
               <a:t>机房图片</a:t>
             </a:r>
           </a:p>
@@ -13983,7 +13983,7 @@
         <p:spPr>
           <a:xfrm>
             <a:off x="3858419" y="2486027"/>
-            <a:ext cx="4699794" cy="2431435"/>
+            <a:ext cx="4699794" cy="2062103"/>
           </a:xfrm>
           <a:prstGeom prst="rect">
             <a:avLst/>
@@ -14004,7 +14004,7 @@
               <a:buAutoNum type="ea1JpnChsDbPeriod"/>
             </a:pPr>
             <a:r>
-              <a:rPr lang="en-US" altLang="zh-CN" sz="2400" dirty="0">
+              <a:rPr lang="en-US" altLang="zh-CN" sz="2000" dirty="0">
                 <a:solidFill>
                   <a:schemeClr val="bg2">
                     <a:lumMod val="75000"/>
@@ -14016,7 +14016,7 @@
               <a:t>PHP</a:t>
             </a:r>
             <a:r>
-              <a:rPr lang="zh-CN" altLang="en-US" sz="2400" dirty="0">
+              <a:rPr lang="zh-CN" altLang="en-US" sz="2000" dirty="0">
                 <a:solidFill>
                   <a:schemeClr val="bg2">
                     <a:lumMod val="75000"/>
@@ -14027,7 +14027,7 @@
               </a:rPr>
               <a:t>程序与服务器空间</a:t>
             </a:r>
-            <a:endParaRPr lang="en-US" altLang="zh-CN" sz="2400" dirty="0">
+            <a:endParaRPr lang="en-US" altLang="zh-CN" sz="2000" dirty="0">
               <a:solidFill>
                 <a:schemeClr val="bg2">
                   <a:lumMod val="75000"/>
@@ -14046,7 +14046,7 @@
               <a:buAutoNum type="ea1JpnChsDbPeriod"/>
             </a:pPr>
             <a:r>
-              <a:rPr lang="zh-CN" altLang="en-US" sz="2800" dirty="0">
+              <a:rPr lang="zh-CN" altLang="en-US" sz="2400" dirty="0">
                 <a:solidFill>
                   <a:schemeClr val="accent6">
                     <a:lumMod val="75000"/>
@@ -14057,7 +14057,7 @@
               </a:rPr>
               <a:t>使用免费服务器空间</a:t>
             </a:r>
-            <a:endParaRPr lang="en-US" altLang="zh-CN" sz="2800" dirty="0">
+            <a:endParaRPr lang="en-US" altLang="zh-CN" sz="2400" dirty="0">
               <a:solidFill>
                 <a:schemeClr val="accent6">
                   <a:lumMod val="75000"/>
@@ -14076,7 +14076,7 @@
               <a:buAutoNum type="ea1JpnChsDbPeriod"/>
             </a:pPr>
             <a:r>
-              <a:rPr lang="zh-CN" altLang="en-US" sz="2400" dirty="0">
+              <a:rPr lang="zh-CN" altLang="en-US" sz="2000" dirty="0">
                 <a:solidFill>
                   <a:schemeClr val="bg2">
                     <a:lumMod val="75000"/>
@@ -14087,7 +14087,7 @@
               </a:rPr>
               <a:t>使用域名</a:t>
             </a:r>
-            <a:endParaRPr lang="en-US" altLang="zh-CN" sz="2400" dirty="0">
+            <a:endParaRPr lang="en-US" altLang="zh-CN" sz="2000" dirty="0">
               <a:solidFill>
                 <a:schemeClr val="bg2">
                   <a:lumMod val="75000"/>
@@ -14600,7 +14600,7 @@
         <p:spPr>
           <a:xfrm>
             <a:off x="4058444" y="2085977"/>
-            <a:ext cx="4699794" cy="2547685"/>
+            <a:ext cx="4699794" cy="2196883"/>
           </a:xfrm>
           <a:prstGeom prst="rect">
             <a:avLst/>
@@ -14621,7 +14621,7 @@
               <a:buAutoNum type="ea1JpnChsDbPeriod"/>
             </a:pPr>
             <a:r>
-              <a:rPr lang="en-US" altLang="zh-CN" sz="2800" dirty="0">
+              <a:rPr lang="en-US" altLang="zh-CN" sz="2400" dirty="0">
                 <a:solidFill>
                   <a:schemeClr val="bg2">
                     <a:lumMod val="25000"/>
@@ -14633,7 +14633,7 @@
               <a:t>PHP</a:t>
             </a:r>
             <a:r>
-              <a:rPr lang="zh-CN" altLang="en-US" sz="2800" dirty="0">
+              <a:rPr lang="zh-CN" altLang="en-US" sz="2400" dirty="0">
                 <a:solidFill>
                   <a:schemeClr val="bg2">
                     <a:lumMod val="25000"/>
@@ -14644,7 +14644,7 @@
               </a:rPr>
               <a:t>程序与服务器空间</a:t>
             </a:r>
-            <a:endParaRPr lang="en-US" altLang="zh-CN" sz="2800" dirty="0">
+            <a:endParaRPr lang="en-US" altLang="zh-CN" sz="2400" dirty="0">
               <a:solidFill>
                 <a:schemeClr val="bg2">
                   <a:lumMod val="25000"/>
@@ -14663,7 +14663,7 @@
               <a:buAutoNum type="ea1JpnChsDbPeriod"/>
             </a:pPr>
             <a:r>
-              <a:rPr lang="zh-CN" altLang="en-US" sz="2800" dirty="0">
+              <a:rPr lang="zh-CN" altLang="en-US" sz="2400" dirty="0">
                 <a:solidFill>
                   <a:schemeClr val="bg2">
                     <a:lumMod val="25000"/>
@@ -14674,7 +14674,7 @@
               </a:rPr>
               <a:t>使用免费服务器空间</a:t>
             </a:r>
-            <a:endParaRPr lang="en-US" altLang="zh-CN" sz="2800" dirty="0">
+            <a:endParaRPr lang="en-US" altLang="zh-CN" sz="2400" dirty="0">
               <a:solidFill>
                 <a:schemeClr val="bg2">
                   <a:lumMod val="25000"/>
@@ -14693,7 +14693,7 @@
               <a:buAutoNum type="ea1JpnChsDbPeriod"/>
             </a:pPr>
             <a:r>
-              <a:rPr lang="zh-CN" altLang="en-US" sz="2800" dirty="0">
+              <a:rPr lang="zh-CN" altLang="en-US" sz="2400" dirty="0">
                 <a:solidFill>
                   <a:schemeClr val="bg2">
                     <a:lumMod val="25000"/>
@@ -14704,7 +14704,7 @@
               </a:rPr>
               <a:t>使用域名</a:t>
             </a:r>
-            <a:endParaRPr lang="en-US" altLang="zh-CN" sz="2800" dirty="0">
+            <a:endParaRPr lang="en-US" altLang="zh-CN" sz="2400" dirty="0">
               <a:solidFill>
                 <a:schemeClr val="bg2">
                   <a:lumMod val="25000"/>
@@ -14786,7 +14786,7 @@
         <p:spPr>
           <a:xfrm>
             <a:off x="3858419" y="2486027"/>
-            <a:ext cx="4699794" cy="2431435"/>
+            <a:ext cx="4699794" cy="2062103"/>
           </a:xfrm>
           <a:prstGeom prst="rect">
             <a:avLst/>
@@ -14807,7 +14807,7 @@
               <a:buAutoNum type="ea1JpnChsDbPeriod"/>
             </a:pPr>
             <a:r>
-              <a:rPr lang="en-US" altLang="zh-CN" sz="2400" dirty="0">
+              <a:rPr lang="en-US" altLang="zh-CN" sz="2000" dirty="0">
                 <a:solidFill>
                   <a:schemeClr val="bg2">
                     <a:lumMod val="75000"/>
@@ -14819,7 +14819,7 @@
               <a:t>PHP</a:t>
             </a:r>
             <a:r>
-              <a:rPr lang="zh-CN" altLang="en-US" sz="2400" dirty="0">
+              <a:rPr lang="zh-CN" altLang="en-US" sz="2000" dirty="0">
                 <a:solidFill>
                   <a:schemeClr val="bg2">
                     <a:lumMod val="75000"/>
@@ -14830,7 +14830,7 @@
               </a:rPr>
               <a:t>程序与服务器空间</a:t>
             </a:r>
-            <a:endParaRPr lang="en-US" altLang="zh-CN" sz="2400" dirty="0">
+            <a:endParaRPr lang="en-US" altLang="zh-CN" sz="2000" dirty="0">
               <a:solidFill>
                 <a:schemeClr val="bg2">
                   <a:lumMod val="75000"/>
@@ -14849,7 +14849,7 @@
               <a:buAutoNum type="ea1JpnChsDbPeriod"/>
             </a:pPr>
             <a:r>
-              <a:rPr lang="zh-CN" altLang="en-US" sz="2400" dirty="0">
+              <a:rPr lang="zh-CN" altLang="en-US" sz="2000" dirty="0">
                 <a:solidFill>
                   <a:schemeClr val="bg2">
                     <a:lumMod val="75000"/>
@@ -14860,7 +14860,7 @@
               </a:rPr>
               <a:t>使用免费服务器空间</a:t>
             </a:r>
-            <a:endParaRPr lang="en-US" altLang="zh-CN" sz="2400" dirty="0">
+            <a:endParaRPr lang="en-US" altLang="zh-CN" sz="2000" dirty="0">
               <a:solidFill>
                 <a:schemeClr val="bg2">
                   <a:lumMod val="75000"/>
@@ -14879,7 +14879,7 @@
               <a:buAutoNum type="ea1JpnChsDbPeriod"/>
             </a:pPr>
             <a:r>
-              <a:rPr lang="zh-CN" altLang="en-US" sz="2800" dirty="0">
+              <a:rPr lang="zh-CN" altLang="en-US" sz="2400" dirty="0">
                 <a:solidFill>
                   <a:schemeClr val="accent6">
                     <a:lumMod val="75000"/>
@@ -14890,7 +14890,7 @@
               </a:rPr>
               <a:t>使用域名</a:t>
             </a:r>
-            <a:endParaRPr lang="en-US" altLang="zh-CN" sz="2800" dirty="0">
+            <a:endParaRPr lang="en-US" altLang="zh-CN" sz="2400" dirty="0">
               <a:solidFill>
                 <a:schemeClr val="accent6">
                   <a:lumMod val="75000"/>
@@ -15153,7 +15153,7 @@
         <p:spPr>
           <a:xfrm>
             <a:off x="1052052" y="1838632"/>
-            <a:ext cx="9488129" cy="3000821"/>
+            <a:ext cx="9488129" cy="3416320"/>
           </a:xfrm>
           <a:prstGeom prst="rect">
             <a:avLst/>
@@ -15330,7 +15330,7 @@
                 <a:latin typeface="Consolas" panose="020B0609020204030204" pitchFamily="49" charset="0"/>
                 <a:ea typeface="微软雅黑" panose="020B0503020204020204" pitchFamily="34" charset="-122"/>
               </a:rPr>
-              <a:t>就可以实现不同域名映射不同目录，这样就实现了一台服务器上多个系统，而虚拟主机就是这样实现的。</a:t>
+              <a:t>这两个配置参数就可以实现不同域名映射不同目录，这样就实现了一台服务器上多个系统，而虚拟主机就是这样实现的。</a:t>
             </a:r>
             <a:endParaRPr lang="en-US" altLang="zh-CN" dirty="0">
               <a:latin typeface="Consolas" panose="020B0609020204030204" pitchFamily="49" charset="0"/>
@@ -16572,7 +16572,7 @@
         <p:spPr>
           <a:xfrm>
             <a:off x="3858419" y="2486027"/>
-            <a:ext cx="4699794" cy="2431435"/>
+            <a:ext cx="4699794" cy="2062103"/>
           </a:xfrm>
           <a:prstGeom prst="rect">
             <a:avLst/>
@@ -16593,7 +16593,7 @@
               <a:buAutoNum type="ea1JpnChsDbPeriod"/>
             </a:pPr>
             <a:r>
-              <a:rPr lang="en-US" altLang="zh-CN" sz="2800" dirty="0">
+              <a:rPr lang="en-US" altLang="zh-CN" sz="2400" dirty="0">
                 <a:solidFill>
                   <a:schemeClr val="accent6">
                     <a:lumMod val="75000"/>
@@ -16605,7 +16605,7 @@
               <a:t>PHP</a:t>
             </a:r>
             <a:r>
-              <a:rPr lang="zh-CN" altLang="en-US" sz="2800" dirty="0">
+              <a:rPr lang="zh-CN" altLang="en-US" sz="2400" dirty="0">
                 <a:solidFill>
                   <a:schemeClr val="accent6">
                     <a:lumMod val="75000"/>
@@ -16616,7 +16616,7 @@
               </a:rPr>
               <a:t>程序与服务器空间</a:t>
             </a:r>
-            <a:endParaRPr lang="en-US" altLang="zh-CN" sz="2800" dirty="0">
+            <a:endParaRPr lang="en-US" altLang="zh-CN" sz="2400" dirty="0">
               <a:solidFill>
                 <a:schemeClr val="accent6">
                   <a:lumMod val="75000"/>
@@ -16635,7 +16635,7 @@
               <a:buAutoNum type="ea1JpnChsDbPeriod"/>
             </a:pPr>
             <a:r>
-              <a:rPr lang="zh-CN" altLang="en-US" sz="2400" dirty="0">
+              <a:rPr lang="zh-CN" altLang="en-US" sz="2000" dirty="0">
                 <a:solidFill>
                   <a:schemeClr val="bg2">
                     <a:lumMod val="75000"/>
@@ -16646,7 +16646,7 @@
               </a:rPr>
               <a:t>使用免费服务器空间</a:t>
             </a:r>
-            <a:endParaRPr lang="en-US" altLang="zh-CN" sz="2400" dirty="0">
+            <a:endParaRPr lang="en-US" altLang="zh-CN" sz="2000" dirty="0">
               <a:solidFill>
                 <a:schemeClr val="bg2">
                   <a:lumMod val="75000"/>
@@ -16665,7 +16665,7 @@
               <a:buAutoNum type="ea1JpnChsDbPeriod"/>
             </a:pPr>
             <a:r>
-              <a:rPr lang="zh-CN" altLang="en-US" sz="2400" dirty="0">
+              <a:rPr lang="zh-CN" altLang="en-US" sz="2000" dirty="0">
                 <a:solidFill>
                   <a:schemeClr val="bg2">
                     <a:lumMod val="75000"/>
@@ -16676,7 +16676,7 @@
               </a:rPr>
               <a:t>使用域名</a:t>
             </a:r>
-            <a:endParaRPr lang="en-US" altLang="zh-CN" sz="2400" dirty="0">
+            <a:endParaRPr lang="en-US" altLang="zh-CN" sz="2000" dirty="0">
               <a:solidFill>
                 <a:schemeClr val="bg2">
                   <a:lumMod val="75000"/>
